--- a/inst/EcoHealthAlliancePPT4x3_classic.pptx
+++ b/inst/EcoHealthAlliancePPT4x3_classic.pptx
@@ -556,7 +556,7 @@
               <a:pPr>
                 <a:defRPr/>
               </a:pPr>
-              <a:t>7/8/21</a:t>
+              <a:t>7/9/21</a:t>
             </a:fld>
             <a:endParaRPr lang="en-US"/>
           </a:p>
@@ -797,7 +797,7 @@
               <a:pPr>
                 <a:defRPr/>
               </a:pPr>
-              <a:t>7/8/21</a:t>
+              <a:t>7/9/21</a:t>
             </a:fld>
             <a:endParaRPr lang="en-US"/>
           </a:p>
@@ -1007,7 +1007,7 @@
               <a:pPr>
                 <a:defRPr/>
               </a:pPr>
-              <a:t>7/8/21</a:t>
+              <a:t>7/9/21</a:t>
             </a:fld>
             <a:endParaRPr lang="en-US"/>
           </a:p>
@@ -1212,7 +1212,7 @@
               <a:pPr>
                 <a:defRPr/>
               </a:pPr>
-              <a:t>7/8/21</a:t>
+              <a:t>7/9/21</a:t>
             </a:fld>
             <a:endParaRPr lang="en-US"/>
           </a:p>
@@ -1486,7 +1486,7 @@
               <a:pPr>
                 <a:defRPr/>
               </a:pPr>
-              <a:t>7/8/21</a:t>
+              <a:t>7/9/21</a:t>
             </a:fld>
             <a:endParaRPr lang="en-US"/>
           </a:p>
@@ -1625,7 +1625,7 @@
         <p:spPr>
           <a:xfrm>
             <a:off x="628650" y="1825625"/>
-            <a:ext cx="3886200" cy="4351338"/>
+            <a:ext cx="3886200" cy="3700532"/>
           </a:xfrm>
         </p:spPr>
         <p:txBody>
@@ -1753,7 +1753,7 @@
               <a:pPr>
                 <a:defRPr/>
               </a:pPr>
-              <a:t>7/8/21</a:t>
+              <a:t>7/9/21</a:t>
             </a:fld>
             <a:endParaRPr lang="en-US"/>
           </a:p>
@@ -1957,7 +1957,7 @@
         <p:spPr>
           <a:xfrm>
             <a:off x="629842" y="2505075"/>
-            <a:ext cx="3868340" cy="3684588"/>
+            <a:ext cx="3868340" cy="3036889"/>
           </a:xfrm>
         </p:spPr>
         <p:txBody>
@@ -2150,7 +2150,7 @@
               <a:pPr>
                 <a:defRPr/>
               </a:pPr>
-              <a:t>7/8/21</a:t>
+              <a:t>7/9/21</a:t>
             </a:fld>
             <a:endParaRPr lang="en-US"/>
           </a:p>
@@ -2303,7 +2303,7 @@
               <a:pPr>
                 <a:defRPr/>
               </a:pPr>
-              <a:t>7/8/21</a:t>
+              <a:t>7/9/21</a:t>
             </a:fld>
             <a:endParaRPr lang="en-US"/>
           </a:p>
@@ -2425,7 +2425,7 @@
               <a:pPr>
                 <a:defRPr/>
               </a:pPr>
-              <a:t>7/8/21</a:t>
+              <a:t>7/9/21</a:t>
             </a:fld>
             <a:endParaRPr lang="en-US"/>
           </a:p>
@@ -2653,7 +2653,7 @@
         <p:spPr>
           <a:xfrm>
             <a:off x="629841" y="2057400"/>
-            <a:ext cx="2949178" cy="3811588"/>
+            <a:ext cx="2949178" cy="3488635"/>
           </a:xfrm>
         </p:spPr>
         <p:txBody>
@@ -2732,7 +2732,7 @@
               <a:pPr>
                 <a:defRPr/>
               </a:pPr>
-              <a:t>7/8/21</a:t>
+              <a:t>7/9/21</a:t>
             </a:fld>
             <a:endParaRPr lang="en-US"/>
           </a:p>
@@ -2943,7 +2943,7 @@
         <p:spPr>
           <a:xfrm>
             <a:off x="629841" y="2057400"/>
-            <a:ext cx="2949178" cy="3811588"/>
+            <a:ext cx="2949178" cy="3518452"/>
           </a:xfrm>
         </p:spPr>
         <p:txBody>
@@ -3022,7 +3022,7 @@
               <a:pPr>
                 <a:defRPr/>
               </a:pPr>
-              <a:t>7/8/21</a:t>
+              <a:t>7/9/21</a:t>
             </a:fld>
             <a:endParaRPr lang="en-US"/>
           </a:p>
@@ -3135,7 +3135,7 @@
         <p:spPr bwMode="auto">
           <a:xfrm>
             <a:off x="628650" y="1825625"/>
-            <a:ext cx="7886700" cy="4351338"/>
+            <a:ext cx="7886700" cy="3776663"/>
           </a:xfrm>
           <a:prstGeom prst="rect">
             <a:avLst/>
@@ -3163,7 +3163,7 @@
               </a14:hiddenLine>
             </a:ext>
             <a:ext uri="{FAA26D3D-D897-4be2-8F04-BA451C77F1D7}">
-              <ma14:placeholderFlag xmlns:ma14="http://schemas.microsoft.com/office/mac/drawingml/2011/main" xmlns="" val="1"/>
+              <ma14:placeholderFlag xmlns="" xmlns:ma14="http://schemas.microsoft.com/office/mac/drawingml/2011/main" val="1"/>
             </a:ext>
           </a:extLst>
         </p:spPr>
@@ -3259,7 +3259,7 @@
               <a:pPr>
                 <a:defRPr/>
               </a:pPr>
-              <a:t>7/8/21</a:t>
+              <a:t>7/9/21</a:t>
             </a:fld>
             <a:endParaRPr lang="en-US"/>
           </a:p>
@@ -3460,7 +3460,7 @@
               </a14:hiddenLine>
             </a:ext>
             <a:ext uri="{FAA26D3D-D897-4be2-8F04-BA451C77F1D7}">
-              <ma14:placeholderFlag xmlns:ma14="http://schemas.microsoft.com/office/mac/drawingml/2011/main" xmlns="" val="1"/>
+              <ma14:placeholderFlag xmlns="" xmlns:ma14="http://schemas.microsoft.com/office/mac/drawingml/2011/main" val="1"/>
             </a:ext>
           </a:extLst>
         </p:spPr>

--- a/inst/EcoHealthAlliancePPT4x3_classic.pptx
+++ b/inst/EcoHealthAlliancePPT4x3_classic.pptx
@@ -1,6 +1,6 @@
 
 <file path=ppt/presentation.xml><?xml version="1.0" encoding="utf-8"?>
-<p:presentation xmlns:a="http://schemas.openxmlformats.org/drawingml/2006/main" xmlns:r="http://schemas.openxmlformats.org/officeDocument/2006/relationships" xmlns:p="http://schemas.openxmlformats.org/presentationml/2006/main" saveSubsetFonts="1" autoCompressPictures="0">
+<p:presentation xmlns:a="http://schemas.openxmlformats.org/drawingml/2006/main" xmlns:r="http://schemas.openxmlformats.org/officeDocument/2006/relationships" xmlns:p="http://schemas.openxmlformats.org/presentationml/2006/main" embedTrueTypeFonts="1" autoCompressPictures="0">
   <p:sldMasterIdLst>
     <p:sldMasterId id="2147483660" r:id="rId1"/>
   </p:sldMasterIdLst>
@@ -9,6 +9,20 @@
   </p:sldIdLst>
   <p:sldSz cx="9144000" cy="6858000" type="screen4x3"/>
   <p:notesSz cx="6858000" cy="9144000"/>
+  <p:embeddedFontLst>
+    <p:embeddedFont>
+      <p:font typeface="Calibri" panose="020F0502020204030204" pitchFamily="34" charset="0"/>
+      <p:regular r:id="rId3"/>
+      <p:bold r:id="rId4"/>
+      <p:italic r:id="rId5"/>
+      <p:boldItalic r:id="rId6"/>
+    </p:embeddedFont>
+    <p:embeddedFont>
+      <p:font typeface="Calibri Light" panose="020F0302020204030204" pitchFamily="34" charset="0"/>
+      <p:regular r:id="rId7"/>
+      <p:italic r:id="rId8"/>
+    </p:embeddedFont>
+  </p:embeddedFontLst>
   <p:defaultTextStyle>
     <a:defPPr>
       <a:defRPr lang="en-US"/>
@@ -556,7 +570,7 @@
               <a:pPr>
                 <a:defRPr/>
               </a:pPr>
-              <a:t>7/9/21</a:t>
+              <a:t>7/12/21</a:t>
             </a:fld>
             <a:endParaRPr lang="en-US"/>
           </a:p>
@@ -797,7 +811,7 @@
               <a:pPr>
                 <a:defRPr/>
               </a:pPr>
-              <a:t>7/9/21</a:t>
+              <a:t>7/12/21</a:t>
             </a:fld>
             <a:endParaRPr lang="en-US"/>
           </a:p>
@@ -1007,7 +1021,7 @@
               <a:pPr>
                 <a:defRPr/>
               </a:pPr>
-              <a:t>7/9/21</a:t>
+              <a:t>7/12/21</a:t>
             </a:fld>
             <a:endParaRPr lang="en-US"/>
           </a:p>
@@ -1212,7 +1226,7 @@
               <a:pPr>
                 <a:defRPr/>
               </a:pPr>
-              <a:t>7/9/21</a:t>
+              <a:t>7/12/21</a:t>
             </a:fld>
             <a:endParaRPr lang="en-US"/>
           </a:p>
@@ -1486,7 +1500,7 @@
               <a:pPr>
                 <a:defRPr/>
               </a:pPr>
-              <a:t>7/9/21</a:t>
+              <a:t>7/12/21</a:t>
             </a:fld>
             <a:endParaRPr lang="en-US"/>
           </a:p>
@@ -1753,7 +1767,7 @@
               <a:pPr>
                 <a:defRPr/>
               </a:pPr>
-              <a:t>7/9/21</a:t>
+              <a:t>7/12/21</a:t>
             </a:fld>
             <a:endParaRPr lang="en-US"/>
           </a:p>
@@ -2150,7 +2164,7 @@
               <a:pPr>
                 <a:defRPr/>
               </a:pPr>
-              <a:t>7/9/21</a:t>
+              <a:t>7/12/21</a:t>
             </a:fld>
             <a:endParaRPr lang="en-US"/>
           </a:p>
@@ -2303,7 +2317,7 @@
               <a:pPr>
                 <a:defRPr/>
               </a:pPr>
-              <a:t>7/9/21</a:t>
+              <a:t>7/12/21</a:t>
             </a:fld>
             <a:endParaRPr lang="en-US"/>
           </a:p>
@@ -2425,7 +2439,7 @@
               <a:pPr>
                 <a:defRPr/>
               </a:pPr>
-              <a:t>7/9/21</a:t>
+              <a:t>7/12/21</a:t>
             </a:fld>
             <a:endParaRPr lang="en-US"/>
           </a:p>
@@ -2732,7 +2746,7 @@
               <a:pPr>
                 <a:defRPr/>
               </a:pPr>
-              <a:t>7/9/21</a:t>
+              <a:t>7/12/21</a:t>
             </a:fld>
             <a:endParaRPr lang="en-US"/>
           </a:p>
@@ -3022,7 +3036,7 @@
               <a:pPr>
                 <a:defRPr/>
               </a:pPr>
-              <a:t>7/9/21</a:t>
+              <a:t>7/12/21</a:t>
             </a:fld>
             <a:endParaRPr lang="en-US"/>
           </a:p>
@@ -3163,7 +3177,7 @@
               </a14:hiddenLine>
             </a:ext>
             <a:ext uri="{FAA26D3D-D897-4be2-8F04-BA451C77F1D7}">
-              <ma14:placeholderFlag xmlns="" xmlns:ma14="http://schemas.microsoft.com/office/mac/drawingml/2011/main" val="1"/>
+              <ma14:placeholderFlag xmlns:ma14="http://schemas.microsoft.com/office/mac/drawingml/2011/main" xmlns="" val="1"/>
             </a:ext>
           </a:extLst>
         </p:spPr>
@@ -3259,7 +3273,7 @@
               <a:pPr>
                 <a:defRPr/>
               </a:pPr>
-              <a:t>7/9/21</a:t>
+              <a:t>7/12/21</a:t>
             </a:fld>
             <a:endParaRPr lang="en-US"/>
           </a:p>
@@ -3460,7 +3474,7 @@
               </a14:hiddenLine>
             </a:ext>
             <a:ext uri="{FAA26D3D-D897-4be2-8F04-BA451C77F1D7}">
-              <ma14:placeholderFlag xmlns="" xmlns:ma14="http://schemas.microsoft.com/office/mac/drawingml/2011/main" val="1"/>
+              <ma14:placeholderFlag xmlns:ma14="http://schemas.microsoft.com/office/mac/drawingml/2011/main" xmlns="" val="1"/>
             </a:ext>
           </a:extLst>
         </p:spPr>

--- a/inst/EcoHealthAlliancePPT4x3_classic.pptx
+++ b/inst/EcoHealthAlliancePPT4x3_classic.pptx
@@ -1,6 +1,6 @@
 
 <file path=ppt/presentation.xml><?xml version="1.0" encoding="utf-8"?>
-<p:presentation xmlns:a="http://schemas.openxmlformats.org/drawingml/2006/main" xmlns:r="http://schemas.openxmlformats.org/officeDocument/2006/relationships" xmlns:p="http://schemas.openxmlformats.org/presentationml/2006/main" embedTrueTypeFonts="1" autoCompressPictures="0">
+<p:presentation xmlns:a="http://schemas.openxmlformats.org/drawingml/2006/main" xmlns:r="http://schemas.openxmlformats.org/officeDocument/2006/relationships" xmlns:p="http://schemas.openxmlformats.org/presentationml/2006/main" saveSubsetFonts="1" autoCompressPictures="0">
   <p:sldMasterIdLst>
     <p:sldMasterId id="2147483660" r:id="rId1"/>
   </p:sldMasterIdLst>
@@ -9,20 +9,6 @@
   </p:sldIdLst>
   <p:sldSz cx="9144000" cy="6858000" type="screen4x3"/>
   <p:notesSz cx="6858000" cy="9144000"/>
-  <p:embeddedFontLst>
-    <p:embeddedFont>
-      <p:font typeface="Calibri" panose="020F0502020204030204" pitchFamily="34" charset="0"/>
-      <p:regular r:id="rId3"/>
-      <p:bold r:id="rId4"/>
-      <p:italic r:id="rId5"/>
-      <p:boldItalic r:id="rId6"/>
-    </p:embeddedFont>
-    <p:embeddedFont>
-      <p:font typeface="Calibri Light" panose="020F0302020204030204" pitchFamily="34" charset="0"/>
-      <p:regular r:id="rId7"/>
-      <p:italic r:id="rId8"/>
-    </p:embeddedFont>
-  </p:embeddedFontLst>
   <p:defaultTextStyle>
     <a:defPPr>
       <a:defRPr lang="en-US"/>
@@ -570,7 +556,7 @@
               <a:pPr>
                 <a:defRPr/>
               </a:pPr>
-              <a:t>7/12/21</a:t>
+              <a:t>7/14/21</a:t>
             </a:fld>
             <a:endParaRPr lang="en-US"/>
           </a:p>
@@ -811,7 +797,7 @@
               <a:pPr>
                 <a:defRPr/>
               </a:pPr>
-              <a:t>7/12/21</a:t>
+              <a:t>7/14/21</a:t>
             </a:fld>
             <a:endParaRPr lang="en-US"/>
           </a:p>
@@ -1021,7 +1007,7 @@
               <a:pPr>
                 <a:defRPr/>
               </a:pPr>
-              <a:t>7/12/21</a:t>
+              <a:t>7/14/21</a:t>
             </a:fld>
             <a:endParaRPr lang="en-US"/>
           </a:p>
@@ -1226,7 +1212,7 @@
               <a:pPr>
                 <a:defRPr/>
               </a:pPr>
-              <a:t>7/12/21</a:t>
+              <a:t>7/14/21</a:t>
             </a:fld>
             <a:endParaRPr lang="en-US"/>
           </a:p>
@@ -1500,7 +1486,7 @@
               <a:pPr>
                 <a:defRPr/>
               </a:pPr>
-              <a:t>7/12/21</a:t>
+              <a:t>7/14/21</a:t>
             </a:fld>
             <a:endParaRPr lang="en-US"/>
           </a:p>
@@ -1639,7 +1625,7 @@
         <p:spPr>
           <a:xfrm>
             <a:off x="628650" y="1825625"/>
-            <a:ext cx="3886200" cy="3700532"/>
+            <a:ext cx="3886200" cy="4351338"/>
           </a:xfrm>
         </p:spPr>
         <p:txBody>
@@ -1767,7 +1753,7 @@
               <a:pPr>
                 <a:defRPr/>
               </a:pPr>
-              <a:t>7/12/21</a:t>
+              <a:t>7/14/21</a:t>
             </a:fld>
             <a:endParaRPr lang="en-US"/>
           </a:p>
@@ -1971,7 +1957,7 @@
         <p:spPr>
           <a:xfrm>
             <a:off x="629842" y="2505075"/>
-            <a:ext cx="3868340" cy="3036889"/>
+            <a:ext cx="3868340" cy="3684588"/>
           </a:xfrm>
         </p:spPr>
         <p:txBody>
@@ -2164,7 +2150,7 @@
               <a:pPr>
                 <a:defRPr/>
               </a:pPr>
-              <a:t>7/12/21</a:t>
+              <a:t>7/14/21</a:t>
             </a:fld>
             <a:endParaRPr lang="en-US"/>
           </a:p>
@@ -2317,7 +2303,7 @@
               <a:pPr>
                 <a:defRPr/>
               </a:pPr>
-              <a:t>7/12/21</a:t>
+              <a:t>7/14/21</a:t>
             </a:fld>
             <a:endParaRPr lang="en-US"/>
           </a:p>
@@ -2439,7 +2425,7 @@
               <a:pPr>
                 <a:defRPr/>
               </a:pPr>
-              <a:t>7/12/21</a:t>
+              <a:t>7/14/21</a:t>
             </a:fld>
             <a:endParaRPr lang="en-US"/>
           </a:p>
@@ -2667,7 +2653,7 @@
         <p:spPr>
           <a:xfrm>
             <a:off x="629841" y="2057400"/>
-            <a:ext cx="2949178" cy="3488635"/>
+            <a:ext cx="2949178" cy="3811588"/>
           </a:xfrm>
         </p:spPr>
         <p:txBody>
@@ -2746,7 +2732,7 @@
               <a:pPr>
                 <a:defRPr/>
               </a:pPr>
-              <a:t>7/12/21</a:t>
+              <a:t>7/14/21</a:t>
             </a:fld>
             <a:endParaRPr lang="en-US"/>
           </a:p>
@@ -2957,7 +2943,7 @@
         <p:spPr>
           <a:xfrm>
             <a:off x="629841" y="2057400"/>
-            <a:ext cx="2949178" cy="3518452"/>
+            <a:ext cx="2949178" cy="3811588"/>
           </a:xfrm>
         </p:spPr>
         <p:txBody>
@@ -3036,7 +3022,7 @@
               <a:pPr>
                 <a:defRPr/>
               </a:pPr>
-              <a:t>7/12/21</a:t>
+              <a:t>7/14/21</a:t>
             </a:fld>
             <a:endParaRPr lang="en-US"/>
           </a:p>
@@ -3149,7 +3135,7 @@
         <p:spPr bwMode="auto">
           <a:xfrm>
             <a:off x="628650" y="1825625"/>
-            <a:ext cx="7886700" cy="3776663"/>
+            <a:ext cx="7886700" cy="4351338"/>
           </a:xfrm>
           <a:prstGeom prst="rect">
             <a:avLst/>
@@ -3273,7 +3259,7 @@
               <a:pPr>
                 <a:defRPr/>
               </a:pPr>
-              <a:t>7/12/21</a:t>
+              <a:t>7/14/21</a:t>
             </a:fld>
             <a:endParaRPr lang="en-US"/>
           </a:p>
